--- a/RyuMinji_descriptions.pptx
+++ b/RyuMinji_descriptions.pptx
@@ -12,7 +12,9 @@
     <p:sldId id="261" r:id="rId6"/>
     <p:sldId id="262" r:id="rId7"/>
     <p:sldId id="263" r:id="rId8"/>
-    <p:sldId id="264" r:id="rId9"/>
+    <p:sldId id="265" r:id="rId9"/>
+    <p:sldId id="264" r:id="rId10"/>
+    <p:sldId id="266" r:id="rId11"/>
   </p:sldIdLst>
   <p:sldSz cx="12192000" cy="6858000"/>
   <p:notesSz cx="6858000" cy="9144000"/>
@@ -266,7 +268,7 @@
           <a:p>
             <a:fld id="{5B98D8C6-2957-4703-B4EF-9693B35F0E5B}" type="datetimeFigureOut">
               <a:rPr lang="ko-KR" altLang="en-US" smtClean="0"/>
-              <a:t>2022-04-26</a:t>
+              <a:t>2022-04-29</a:t>
             </a:fld>
             <a:endParaRPr lang="ko-KR" altLang="en-US"/>
           </a:p>
@@ -464,7 +466,7 @@
           <a:p>
             <a:fld id="{5B98D8C6-2957-4703-B4EF-9693B35F0E5B}" type="datetimeFigureOut">
               <a:rPr lang="ko-KR" altLang="en-US" smtClean="0"/>
-              <a:t>2022-04-26</a:t>
+              <a:t>2022-04-29</a:t>
             </a:fld>
             <a:endParaRPr lang="ko-KR" altLang="en-US"/>
           </a:p>
@@ -672,7 +674,7 @@
           <a:p>
             <a:fld id="{5B98D8C6-2957-4703-B4EF-9693B35F0E5B}" type="datetimeFigureOut">
               <a:rPr lang="ko-KR" altLang="en-US" smtClean="0"/>
-              <a:t>2022-04-26</a:t>
+              <a:t>2022-04-29</a:t>
             </a:fld>
             <a:endParaRPr lang="ko-KR" altLang="en-US"/>
           </a:p>
@@ -870,7 +872,7 @@
           <a:p>
             <a:fld id="{5B98D8C6-2957-4703-B4EF-9693B35F0E5B}" type="datetimeFigureOut">
               <a:rPr lang="ko-KR" altLang="en-US" smtClean="0"/>
-              <a:t>2022-04-26</a:t>
+              <a:t>2022-04-29</a:t>
             </a:fld>
             <a:endParaRPr lang="ko-KR" altLang="en-US"/>
           </a:p>
@@ -1145,7 +1147,7 @@
           <a:p>
             <a:fld id="{5B98D8C6-2957-4703-B4EF-9693B35F0E5B}" type="datetimeFigureOut">
               <a:rPr lang="ko-KR" altLang="en-US" smtClean="0"/>
-              <a:t>2022-04-26</a:t>
+              <a:t>2022-04-29</a:t>
             </a:fld>
             <a:endParaRPr lang="ko-KR" altLang="en-US"/>
           </a:p>
@@ -1410,7 +1412,7 @@
           <a:p>
             <a:fld id="{5B98D8C6-2957-4703-B4EF-9693B35F0E5B}" type="datetimeFigureOut">
               <a:rPr lang="ko-KR" altLang="en-US" smtClean="0"/>
-              <a:t>2022-04-26</a:t>
+              <a:t>2022-04-29</a:t>
             </a:fld>
             <a:endParaRPr lang="ko-KR" altLang="en-US"/>
           </a:p>
@@ -1822,7 +1824,7 @@
           <a:p>
             <a:fld id="{5B98D8C6-2957-4703-B4EF-9693B35F0E5B}" type="datetimeFigureOut">
               <a:rPr lang="ko-KR" altLang="en-US" smtClean="0"/>
-              <a:t>2022-04-26</a:t>
+              <a:t>2022-04-29</a:t>
             </a:fld>
             <a:endParaRPr lang="ko-KR" altLang="en-US"/>
           </a:p>
@@ -1963,7 +1965,7 @@
           <a:p>
             <a:fld id="{5B98D8C6-2957-4703-B4EF-9693B35F0E5B}" type="datetimeFigureOut">
               <a:rPr lang="ko-KR" altLang="en-US" smtClean="0"/>
-              <a:t>2022-04-26</a:t>
+              <a:t>2022-04-29</a:t>
             </a:fld>
             <a:endParaRPr lang="ko-KR" altLang="en-US"/>
           </a:p>
@@ -2076,7 +2078,7 @@
           <a:p>
             <a:fld id="{5B98D8C6-2957-4703-B4EF-9693B35F0E5B}" type="datetimeFigureOut">
               <a:rPr lang="ko-KR" altLang="en-US" smtClean="0"/>
-              <a:t>2022-04-26</a:t>
+              <a:t>2022-04-29</a:t>
             </a:fld>
             <a:endParaRPr lang="ko-KR" altLang="en-US"/>
           </a:p>
@@ -2387,7 +2389,7 @@
           <a:p>
             <a:fld id="{5B98D8C6-2957-4703-B4EF-9693B35F0E5B}" type="datetimeFigureOut">
               <a:rPr lang="ko-KR" altLang="en-US" smtClean="0"/>
-              <a:t>2022-04-26</a:t>
+              <a:t>2022-04-29</a:t>
             </a:fld>
             <a:endParaRPr lang="ko-KR" altLang="en-US"/>
           </a:p>
@@ -2675,7 +2677,7 @@
           <a:p>
             <a:fld id="{5B98D8C6-2957-4703-B4EF-9693B35F0E5B}" type="datetimeFigureOut">
               <a:rPr lang="ko-KR" altLang="en-US" smtClean="0"/>
-              <a:t>2022-04-26</a:t>
+              <a:t>2022-04-29</a:t>
             </a:fld>
             <a:endParaRPr lang="ko-KR" altLang="en-US"/>
           </a:p>
@@ -2916,7 +2918,7 @@
           <a:p>
             <a:fld id="{5B98D8C6-2957-4703-B4EF-9693B35F0E5B}" type="datetimeFigureOut">
               <a:rPr lang="ko-KR" altLang="en-US" smtClean="0"/>
-              <a:t>2022-04-26</a:t>
+              <a:t>2022-04-29</a:t>
             </a:fld>
             <a:endParaRPr lang="ko-KR" altLang="en-US"/>
           </a:p>
@@ -3766,6 +3768,299 @@
 </p:sld>
 </file>
 
+<file path=ppt/slides/slide10.xml><?xml version="1.0" encoding="utf-8"?>
+<p:sld xmlns:a="http://schemas.openxmlformats.org/drawingml/2006/main" xmlns:r="http://schemas.openxmlformats.org/officeDocument/2006/relationships" xmlns:p="http://schemas.openxmlformats.org/presentationml/2006/main">
+  <p:cSld>
+    <p:spTree>
+      <p:nvGrpSpPr>
+        <p:cNvPr id="1" name=""/>
+        <p:cNvGrpSpPr/>
+        <p:nvPr/>
+      </p:nvGrpSpPr>
+      <p:grpSpPr>
+        <a:xfrm>
+          <a:off x="0" y="0"/>
+          <a:ext cx="0" cy="0"/>
+          <a:chOff x="0" y="0"/>
+          <a:chExt cx="0" cy="0"/>
+        </a:xfrm>
+      </p:grpSpPr>
+      <p:sp>
+        <p:nvSpPr>
+          <p:cNvPr id="7" name="TextBox 6">
+            <a:extLst>
+              <a:ext uri="{FF2B5EF4-FFF2-40B4-BE49-F238E27FC236}">
+                <a16:creationId xmlns:a16="http://schemas.microsoft.com/office/drawing/2014/main" id="{7419AA70-D73D-4B1D-9C79-7FA3618EE234}"/>
+              </a:ext>
+            </a:extLst>
+          </p:cNvPr>
+          <p:cNvSpPr txBox="1"/>
+          <p:nvPr/>
+        </p:nvSpPr>
+        <p:spPr>
+          <a:xfrm>
+            <a:off x="150725" y="362858"/>
+            <a:ext cx="11460703" cy="3355032"/>
+          </a:xfrm>
+          <a:prstGeom prst="rect">
+            <a:avLst/>
+          </a:prstGeom>
+          <a:noFill/>
+          <a:ln>
+            <a:solidFill>
+              <a:schemeClr val="tx1"/>
+            </a:solidFill>
+          </a:ln>
+        </p:spPr>
+        <p:txBody>
+          <a:bodyPr wrap="square" rtlCol="0">
+            <a:spAutoFit/>
+          </a:bodyPr>
+          <a:lstStyle/>
+          <a:p>
+            <a:endParaRPr lang="ko-KR" altLang="en-US" dirty="0"/>
+          </a:p>
+        </p:txBody>
+      </p:sp>
+      <p:sp>
+        <p:nvSpPr>
+          <p:cNvPr id="8" name="TextBox 7">
+            <a:extLst>
+              <a:ext uri="{FF2B5EF4-FFF2-40B4-BE49-F238E27FC236}">
+                <a16:creationId xmlns:a16="http://schemas.microsoft.com/office/drawing/2014/main" id="{E5C45F3A-2699-45CA-BB1B-64BE3E948699}"/>
+              </a:ext>
+            </a:extLst>
+          </p:cNvPr>
+          <p:cNvSpPr txBox="1"/>
+          <p:nvPr/>
+        </p:nvSpPr>
+        <p:spPr>
+          <a:xfrm>
+            <a:off x="580572" y="1005721"/>
+            <a:ext cx="2148114" cy="369332"/>
+          </a:xfrm>
+          <a:prstGeom prst="rect">
+            <a:avLst/>
+          </a:prstGeom>
+          <a:noFill/>
+        </p:spPr>
+        <p:txBody>
+          <a:bodyPr wrap="square" rtlCol="0">
+            <a:spAutoFit/>
+          </a:bodyPr>
+          <a:lstStyle/>
+          <a:p>
+            <a:r>
+              <a:rPr lang="en-US" altLang="ko-KR" b="1" dirty="0"/>
+              <a:t>Actor Action</a:t>
+            </a:r>
+            <a:endParaRPr lang="ko-KR" altLang="en-US" b="1" dirty="0"/>
+          </a:p>
+        </p:txBody>
+      </p:sp>
+      <p:sp>
+        <p:nvSpPr>
+          <p:cNvPr id="9" name="TextBox 8">
+            <a:extLst>
+              <a:ext uri="{FF2B5EF4-FFF2-40B4-BE49-F238E27FC236}">
+                <a16:creationId xmlns:a16="http://schemas.microsoft.com/office/drawing/2014/main" id="{50ACC405-EFF4-4464-926F-9BB716255F07}"/>
+              </a:ext>
+            </a:extLst>
+          </p:cNvPr>
+          <p:cNvSpPr txBox="1"/>
+          <p:nvPr/>
+        </p:nvSpPr>
+        <p:spPr>
+          <a:xfrm>
+            <a:off x="7402286" y="1005721"/>
+            <a:ext cx="2148114" cy="369332"/>
+          </a:xfrm>
+          <a:prstGeom prst="rect">
+            <a:avLst/>
+          </a:prstGeom>
+          <a:noFill/>
+        </p:spPr>
+        <p:txBody>
+          <a:bodyPr wrap="square" rtlCol="0">
+            <a:spAutoFit/>
+          </a:bodyPr>
+          <a:lstStyle/>
+          <a:p>
+            <a:r>
+              <a:rPr lang="en-US" altLang="ko-KR" b="1" dirty="0"/>
+              <a:t>System Response</a:t>
+            </a:r>
+            <a:endParaRPr lang="ko-KR" altLang="en-US" b="1" dirty="0"/>
+          </a:p>
+        </p:txBody>
+      </p:sp>
+      <p:sp>
+        <p:nvSpPr>
+          <p:cNvPr id="10" name="TextBox 9">
+            <a:extLst>
+              <a:ext uri="{FF2B5EF4-FFF2-40B4-BE49-F238E27FC236}">
+                <a16:creationId xmlns:a16="http://schemas.microsoft.com/office/drawing/2014/main" id="{428FA54D-0D7B-4F3D-8EF9-1D6B973D3541}"/>
+              </a:ext>
+            </a:extLst>
+          </p:cNvPr>
+          <p:cNvSpPr txBox="1"/>
+          <p:nvPr/>
+        </p:nvSpPr>
+        <p:spPr>
+          <a:xfrm>
+            <a:off x="580572" y="496830"/>
+            <a:ext cx="3700483" cy="400110"/>
+          </a:xfrm>
+          <a:prstGeom prst="rect">
+            <a:avLst/>
+          </a:prstGeom>
+          <a:noFill/>
+        </p:spPr>
+        <p:txBody>
+          <a:bodyPr wrap="square" rtlCol="0">
+            <a:spAutoFit/>
+          </a:bodyPr>
+          <a:lstStyle/>
+          <a:p>
+            <a:r>
+              <a:rPr lang="ko-KR" altLang="en-US" sz="2000" b="1" dirty="0"/>
+              <a:t>판매 통계 조회</a:t>
+            </a:r>
+          </a:p>
+        </p:txBody>
+      </p:sp>
+      <p:sp>
+        <p:nvSpPr>
+          <p:cNvPr id="11" name="TextBox 10">
+            <a:extLst>
+              <a:ext uri="{FF2B5EF4-FFF2-40B4-BE49-F238E27FC236}">
+                <a16:creationId xmlns:a16="http://schemas.microsoft.com/office/drawing/2014/main" id="{214E3FDC-3444-4C61-B5CF-075EC3155B2B}"/>
+              </a:ext>
+            </a:extLst>
+          </p:cNvPr>
+          <p:cNvSpPr txBox="1"/>
+          <p:nvPr/>
+        </p:nvSpPr>
+        <p:spPr>
+          <a:xfrm>
+            <a:off x="580572" y="1546570"/>
+            <a:ext cx="4862285" cy="646331"/>
+          </a:xfrm>
+          <a:prstGeom prst="rect">
+            <a:avLst/>
+          </a:prstGeom>
+          <a:noFill/>
+        </p:spPr>
+        <p:txBody>
+          <a:bodyPr wrap="square" rtlCol="0">
+            <a:spAutoFit/>
+          </a:bodyPr>
+          <a:lstStyle/>
+          <a:p>
+            <a:r>
+              <a:rPr lang="en-US" altLang="ko-KR" dirty="0"/>
+              <a:t>1.</a:t>
+            </a:r>
+            <a:r>
+              <a:rPr lang="ko-KR" altLang="ko-KR" sz="1800" dirty="0">
+                <a:effectLst/>
+                <a:ea typeface="맑은 고딕" panose="020B0503020000020004" pitchFamily="50" charset="-127"/>
+                <a:cs typeface="Times New Roman" panose="02020603050405020304" pitchFamily="18" charset="0"/>
+              </a:rPr>
+              <a:t> </a:t>
+            </a:r>
+            <a:r>
+              <a:rPr lang="ko-KR" altLang="en-US" dirty="0"/>
+              <a:t>로그인 후 </a:t>
+            </a:r>
+            <a:r>
+              <a:rPr lang="en-US" altLang="ko-KR" dirty="0"/>
+              <a:t>main</a:t>
+            </a:r>
+            <a:r>
+              <a:rPr lang="ko-KR" altLang="en-US" dirty="0"/>
+              <a:t>화면에서 판매 통계 조회를 선택한다</a:t>
+            </a:r>
+            <a:r>
+              <a:rPr lang="en-US" altLang="ko-KR" dirty="0"/>
+              <a:t>. </a:t>
+            </a:r>
+            <a:endParaRPr lang="ko-KR" altLang="en-US" dirty="0"/>
+          </a:p>
+        </p:txBody>
+      </p:sp>
+      <p:sp>
+        <p:nvSpPr>
+          <p:cNvPr id="12" name="TextBox 11">
+            <a:extLst>
+              <a:ext uri="{FF2B5EF4-FFF2-40B4-BE49-F238E27FC236}">
+                <a16:creationId xmlns:a16="http://schemas.microsoft.com/office/drawing/2014/main" id="{0DAFC212-0D75-46EF-B405-F3BDB0B9BF3D}"/>
+              </a:ext>
+            </a:extLst>
+          </p:cNvPr>
+          <p:cNvSpPr txBox="1"/>
+          <p:nvPr/>
+        </p:nvSpPr>
+        <p:spPr>
+          <a:xfrm>
+            <a:off x="6204857" y="1550083"/>
+            <a:ext cx="4862285" cy="646331"/>
+          </a:xfrm>
+          <a:prstGeom prst="rect">
+            <a:avLst/>
+          </a:prstGeom>
+          <a:noFill/>
+        </p:spPr>
+        <p:txBody>
+          <a:bodyPr wrap="square" rtlCol="0">
+            <a:spAutoFit/>
+          </a:bodyPr>
+          <a:lstStyle/>
+          <a:p>
+            <a:r>
+              <a:rPr lang="en-US" altLang="ko-KR" dirty="0"/>
+              <a:t>2. </a:t>
+            </a:r>
+            <a:r>
+              <a:rPr lang="ko-KR" altLang="ko-KR" sz="1800" dirty="0">
+                <a:effectLst/>
+                <a:ea typeface="맑은 고딕" panose="020B0503020000020004" pitchFamily="50" charset="-127"/>
+                <a:cs typeface="Times New Roman" panose="02020603050405020304" pitchFamily="18" charset="0"/>
+              </a:rPr>
+              <a:t>판매한 상품 총액 및 평균 구매만족도를 </a:t>
+            </a:r>
+            <a:r>
+              <a:rPr lang="ko-KR" altLang="en-US" sz="1800" dirty="0">
+                <a:effectLst/>
+                <a:ea typeface="맑은 고딕" panose="020B0503020000020004" pitchFamily="50" charset="-127"/>
+                <a:cs typeface="Times New Roman" panose="02020603050405020304" pitchFamily="18" charset="0"/>
+              </a:rPr>
+              <a:t>출력함</a:t>
+            </a:r>
+            <a:r>
+              <a:rPr lang="en-US" altLang="ko-KR" dirty="0">
+                <a:ea typeface="맑은 고딕" panose="020B0503020000020004" pitchFamily="50" charset="-127"/>
+                <a:cs typeface="Times New Roman" panose="02020603050405020304" pitchFamily="18" charset="0"/>
+              </a:rPr>
+              <a:t>.</a:t>
+            </a:r>
+            <a:endParaRPr lang="ko-KR" altLang="en-US" dirty="0"/>
+          </a:p>
+        </p:txBody>
+      </p:sp>
+    </p:spTree>
+    <p:extLst>
+      <p:ext uri="{BB962C8B-B14F-4D97-AF65-F5344CB8AC3E}">
+        <p14:creationId xmlns:p14="http://schemas.microsoft.com/office/powerpoint/2010/main" val="2886693369"/>
+      </p:ext>
+    </p:extLst>
+  </p:cSld>
+  <p:clrMapOvr>
+    <a:masterClrMapping/>
+  </p:clrMapOvr>
+</p:sld>
+</file>
+
 <file path=ppt/slides/slide2.xml><?xml version="1.0" encoding="utf-8"?>
 <p:sld xmlns:a="http://schemas.openxmlformats.org/drawingml/2006/main" xmlns:r="http://schemas.openxmlformats.org/officeDocument/2006/relationships" xmlns:p="http://schemas.openxmlformats.org/presentationml/2006/main">
   <p:cSld>
@@ -5801,10 +6096,10 @@
       </p:grpSpPr>
       <p:sp>
         <p:nvSpPr>
-          <p:cNvPr id="4" name="TextBox 3">
-            <a:extLst>
-              <a:ext uri="{FF2B5EF4-FFF2-40B4-BE49-F238E27FC236}">
-                <a16:creationId xmlns:a16="http://schemas.microsoft.com/office/drawing/2014/main" id="{F2C3085C-B8DB-49E1-855D-E88462C9CBC5}"/>
+          <p:cNvPr id="5" name="TextBox 4">
+            <a:extLst>
+              <a:ext uri="{FF2B5EF4-FFF2-40B4-BE49-F238E27FC236}">
+                <a16:creationId xmlns:a16="http://schemas.microsoft.com/office/drawing/2014/main" id="{E1A3A8F9-4FFE-4C63-ACFA-3E67A65EB721}"/>
               </a:ext>
             </a:extLst>
           </p:cNvPr>
@@ -5814,7 +6109,7 @@
         <p:spPr>
           <a:xfrm>
             <a:off x="150725" y="362858"/>
-            <a:ext cx="11460703" cy="3355032"/>
+            <a:ext cx="11599315" cy="4270102"/>
           </a:xfrm>
           <a:prstGeom prst="rect">
             <a:avLst/>
@@ -5838,10 +6133,10 @@
       </p:sp>
       <p:sp>
         <p:nvSpPr>
-          <p:cNvPr id="5" name="TextBox 4">
-            <a:extLst>
-              <a:ext uri="{FF2B5EF4-FFF2-40B4-BE49-F238E27FC236}">
-                <a16:creationId xmlns:a16="http://schemas.microsoft.com/office/drawing/2014/main" id="{8A273704-87DF-4A43-810C-CF7A06B96D9D}"/>
+          <p:cNvPr id="6" name="TextBox 5">
+            <a:extLst>
+              <a:ext uri="{FF2B5EF4-FFF2-40B4-BE49-F238E27FC236}">
+                <a16:creationId xmlns:a16="http://schemas.microsoft.com/office/drawing/2014/main" id="{71FDA8F3-916F-4D05-88B9-1D1157475ECB}"/>
               </a:ext>
             </a:extLst>
           </p:cNvPr>
@@ -5874,10 +6169,10 @@
       </p:sp>
       <p:sp>
         <p:nvSpPr>
-          <p:cNvPr id="6" name="TextBox 5">
-            <a:extLst>
-              <a:ext uri="{FF2B5EF4-FFF2-40B4-BE49-F238E27FC236}">
-                <a16:creationId xmlns:a16="http://schemas.microsoft.com/office/drawing/2014/main" id="{ADB73C91-3F9E-4F2E-9108-F28547F010EC}"/>
+          <p:cNvPr id="7" name="TextBox 6">
+            <a:extLst>
+              <a:ext uri="{FF2B5EF4-FFF2-40B4-BE49-F238E27FC236}">
+                <a16:creationId xmlns:a16="http://schemas.microsoft.com/office/drawing/2014/main" id="{2F3058D7-8E5A-4368-99AE-54583BE7B38D}"/>
               </a:ext>
             </a:extLst>
           </p:cNvPr>
@@ -5910,10 +6205,10 @@
       </p:sp>
       <p:sp>
         <p:nvSpPr>
-          <p:cNvPr id="7" name="TextBox 6">
-            <a:extLst>
-              <a:ext uri="{FF2B5EF4-FFF2-40B4-BE49-F238E27FC236}">
-                <a16:creationId xmlns:a16="http://schemas.microsoft.com/office/drawing/2014/main" id="{C887CD49-A558-4D1A-99EC-76BC98B5C621}"/>
+          <p:cNvPr id="8" name="TextBox 7">
+            <a:extLst>
+              <a:ext uri="{FF2B5EF4-FFF2-40B4-BE49-F238E27FC236}">
+                <a16:creationId xmlns:a16="http://schemas.microsoft.com/office/drawing/2014/main" id="{264DA5EC-AEB4-4F53-9E70-B2E3B755BEE2}"/>
               </a:ext>
             </a:extLst>
           </p:cNvPr>
@@ -5923,7 +6218,7 @@
         <p:spPr>
           <a:xfrm>
             <a:off x="580572" y="496830"/>
-            <a:ext cx="3700483" cy="400110"/>
+            <a:ext cx="2496457" cy="400110"/>
           </a:xfrm>
           <a:prstGeom prst="rect">
             <a:avLst/>
@@ -5937,10 +6232,325 @@
           <a:lstStyle/>
           <a:p>
             <a:r>
-              <a:rPr lang="ko-KR" altLang="en-US" sz="2000" b="1"/>
+              <a:rPr lang="ko-KR" altLang="en-US" sz="2000" b="1" dirty="0"/>
+              <a:t>판매중인 의류 삭제</a:t>
+            </a:r>
+          </a:p>
+        </p:txBody>
+      </p:sp>
+      <p:sp>
+        <p:nvSpPr>
+          <p:cNvPr id="9" name="TextBox 8">
+            <a:extLst>
+              <a:ext uri="{FF2B5EF4-FFF2-40B4-BE49-F238E27FC236}">
+                <a16:creationId xmlns:a16="http://schemas.microsoft.com/office/drawing/2014/main" id="{0226FFE9-63C1-4512-B3B2-58C914EAF427}"/>
+              </a:ext>
+            </a:extLst>
+          </p:cNvPr>
+          <p:cNvSpPr txBox="1"/>
+          <p:nvPr/>
+        </p:nvSpPr>
+        <p:spPr>
+          <a:xfrm>
+            <a:off x="580572" y="1524000"/>
+            <a:ext cx="4862285" cy="1754326"/>
+          </a:xfrm>
+          <a:prstGeom prst="rect">
+            <a:avLst/>
+          </a:prstGeom>
+          <a:noFill/>
+        </p:spPr>
+        <p:txBody>
+          <a:bodyPr wrap="square" rtlCol="0">
+            <a:spAutoFit/>
+          </a:bodyPr>
+          <a:lstStyle/>
+          <a:p>
+            <a:r>
+              <a:rPr lang="en-US" altLang="ko-KR" dirty="0"/>
+              <a:t>1. </a:t>
+            </a:r>
+            <a:r>
+              <a:rPr lang="ko-KR" altLang="en-US" dirty="0"/>
+              <a:t>로그인 후 </a:t>
+            </a:r>
+            <a:r>
+              <a:rPr lang="en-US" altLang="ko-KR" dirty="0"/>
+              <a:t>main </a:t>
+            </a:r>
+            <a:r>
+              <a:rPr lang="ko-KR" altLang="en-US" dirty="0"/>
+              <a:t>화면에서 판매중인 의류 조회를 선택한다</a:t>
+            </a:r>
+            <a:r>
+              <a:rPr lang="en-US" altLang="ko-KR" dirty="0"/>
+              <a:t>.</a:t>
+            </a:r>
+          </a:p>
+          <a:p>
+            <a:endParaRPr lang="en-US" altLang="ko-KR" dirty="0"/>
+          </a:p>
+          <a:p>
+            <a:r>
+              <a:rPr lang="en-US" altLang="ko-KR" dirty="0"/>
+              <a:t>3. </a:t>
+            </a:r>
+            <a:r>
+              <a:rPr lang="ko-KR" altLang="en-US" dirty="0"/>
+              <a:t>특정 상품을 선택하고</a:t>
+            </a:r>
+            <a:r>
+              <a:rPr lang="en-US" altLang="ko-KR" dirty="0"/>
+              <a:t>, </a:t>
+            </a:r>
+            <a:r>
+              <a:rPr lang="ko-KR" altLang="en-US" dirty="0"/>
+              <a:t>삭제 버튼을 클릭한다</a:t>
+            </a:r>
+            <a:r>
+              <a:rPr lang="en-US" altLang="ko-KR" dirty="0"/>
+              <a:t>. </a:t>
+            </a:r>
+          </a:p>
+          <a:p>
+            <a:endParaRPr lang="en-US" altLang="ko-KR" dirty="0"/>
+          </a:p>
+        </p:txBody>
+      </p:sp>
+      <p:sp>
+        <p:nvSpPr>
+          <p:cNvPr id="10" name="TextBox 9">
+            <a:extLst>
+              <a:ext uri="{FF2B5EF4-FFF2-40B4-BE49-F238E27FC236}">
+                <a16:creationId xmlns:a16="http://schemas.microsoft.com/office/drawing/2014/main" id="{08FF6470-C63D-4EB9-A9C9-71DEA55538EE}"/>
+              </a:ext>
+            </a:extLst>
+          </p:cNvPr>
+          <p:cNvSpPr txBox="1"/>
+          <p:nvPr/>
+        </p:nvSpPr>
+        <p:spPr>
+          <a:xfrm>
+            <a:off x="6204857" y="1550083"/>
+            <a:ext cx="4862285" cy="1754326"/>
+          </a:xfrm>
+          <a:prstGeom prst="rect">
+            <a:avLst/>
+          </a:prstGeom>
+          <a:noFill/>
+        </p:spPr>
+        <p:txBody>
+          <a:bodyPr wrap="square" rtlCol="0">
+            <a:spAutoFit/>
+          </a:bodyPr>
+          <a:lstStyle/>
+          <a:p>
+            <a:r>
+              <a:rPr lang="en-US" altLang="ko-KR" dirty="0"/>
+              <a:t>2. </a:t>
+            </a:r>
+            <a:r>
+              <a:rPr lang="ko-KR" altLang="en-US" dirty="0"/>
+              <a:t>판매중인 의류 리스트를 상품명의 오름차순으로 출력한다</a:t>
+            </a:r>
+            <a:r>
+              <a:rPr lang="en-US" altLang="ko-KR" dirty="0"/>
+              <a:t>. </a:t>
+            </a:r>
+          </a:p>
+          <a:p>
+            <a:endParaRPr lang="en-US" altLang="ko-KR" dirty="0"/>
+          </a:p>
+          <a:p>
+            <a:r>
+              <a:rPr lang="en-US" altLang="ko-KR" dirty="0"/>
+              <a:t>4.</a:t>
+            </a:r>
+            <a:r>
+              <a:rPr lang="ko-KR" altLang="en-US" dirty="0"/>
+              <a:t> 상품 정보가 수정된 의류 리스트가 출력된다</a:t>
+            </a:r>
+            <a:r>
+              <a:rPr lang="en-US" altLang="ko-KR" dirty="0"/>
+              <a:t>.</a:t>
+            </a:r>
+          </a:p>
+          <a:p>
+            <a:endParaRPr lang="en-US" altLang="ko-KR" dirty="0"/>
+          </a:p>
+        </p:txBody>
+      </p:sp>
+    </p:spTree>
+    <p:extLst>
+      <p:ext uri="{BB962C8B-B14F-4D97-AF65-F5344CB8AC3E}">
+        <p14:creationId xmlns:p14="http://schemas.microsoft.com/office/powerpoint/2010/main" val="3082299329"/>
+      </p:ext>
+    </p:extLst>
+  </p:cSld>
+  <p:clrMapOvr>
+    <a:masterClrMapping/>
+  </p:clrMapOvr>
+</p:sld>
+</file>
+
+<file path=ppt/slides/slide9.xml><?xml version="1.0" encoding="utf-8"?>
+<p:sld xmlns:a="http://schemas.openxmlformats.org/drawingml/2006/main" xmlns:r="http://schemas.openxmlformats.org/officeDocument/2006/relationships" xmlns:p="http://schemas.openxmlformats.org/presentationml/2006/main">
+  <p:cSld>
+    <p:spTree>
+      <p:nvGrpSpPr>
+        <p:cNvPr id="1" name=""/>
+        <p:cNvGrpSpPr/>
+        <p:nvPr/>
+      </p:nvGrpSpPr>
+      <p:grpSpPr>
+        <a:xfrm>
+          <a:off x="0" y="0"/>
+          <a:ext cx="0" cy="0"/>
+          <a:chOff x="0" y="0"/>
+          <a:chExt cx="0" cy="0"/>
+        </a:xfrm>
+      </p:grpSpPr>
+      <p:sp>
+        <p:nvSpPr>
+          <p:cNvPr id="4" name="TextBox 3">
+            <a:extLst>
+              <a:ext uri="{FF2B5EF4-FFF2-40B4-BE49-F238E27FC236}">
+                <a16:creationId xmlns:a16="http://schemas.microsoft.com/office/drawing/2014/main" id="{F2C3085C-B8DB-49E1-855D-E88462C9CBC5}"/>
+              </a:ext>
+            </a:extLst>
+          </p:cNvPr>
+          <p:cNvSpPr txBox="1"/>
+          <p:nvPr/>
+        </p:nvSpPr>
+        <p:spPr>
+          <a:xfrm>
+            <a:off x="150725" y="362858"/>
+            <a:ext cx="11460703" cy="3355032"/>
+          </a:xfrm>
+          <a:prstGeom prst="rect">
+            <a:avLst/>
+          </a:prstGeom>
+          <a:noFill/>
+          <a:ln>
+            <a:solidFill>
+              <a:schemeClr val="tx1"/>
+            </a:solidFill>
+          </a:ln>
+        </p:spPr>
+        <p:txBody>
+          <a:bodyPr wrap="square" rtlCol="0">
+            <a:spAutoFit/>
+          </a:bodyPr>
+          <a:lstStyle/>
+          <a:p>
+            <a:endParaRPr lang="ko-KR" altLang="en-US" dirty="0"/>
+          </a:p>
+        </p:txBody>
+      </p:sp>
+      <p:sp>
+        <p:nvSpPr>
+          <p:cNvPr id="5" name="TextBox 4">
+            <a:extLst>
+              <a:ext uri="{FF2B5EF4-FFF2-40B4-BE49-F238E27FC236}">
+                <a16:creationId xmlns:a16="http://schemas.microsoft.com/office/drawing/2014/main" id="{8A273704-87DF-4A43-810C-CF7A06B96D9D}"/>
+              </a:ext>
+            </a:extLst>
+          </p:cNvPr>
+          <p:cNvSpPr txBox="1"/>
+          <p:nvPr/>
+        </p:nvSpPr>
+        <p:spPr>
+          <a:xfrm>
+            <a:off x="580572" y="1005721"/>
+            <a:ext cx="2148114" cy="369332"/>
+          </a:xfrm>
+          <a:prstGeom prst="rect">
+            <a:avLst/>
+          </a:prstGeom>
+          <a:noFill/>
+        </p:spPr>
+        <p:txBody>
+          <a:bodyPr wrap="square" rtlCol="0">
+            <a:spAutoFit/>
+          </a:bodyPr>
+          <a:lstStyle/>
+          <a:p>
+            <a:r>
+              <a:rPr lang="en-US" altLang="ko-KR" b="1" dirty="0"/>
+              <a:t>Actor Action</a:t>
+            </a:r>
+            <a:endParaRPr lang="ko-KR" altLang="en-US" b="1" dirty="0"/>
+          </a:p>
+        </p:txBody>
+      </p:sp>
+      <p:sp>
+        <p:nvSpPr>
+          <p:cNvPr id="6" name="TextBox 5">
+            <a:extLst>
+              <a:ext uri="{FF2B5EF4-FFF2-40B4-BE49-F238E27FC236}">
+                <a16:creationId xmlns:a16="http://schemas.microsoft.com/office/drawing/2014/main" id="{ADB73C91-3F9E-4F2E-9108-F28547F010EC}"/>
+              </a:ext>
+            </a:extLst>
+          </p:cNvPr>
+          <p:cNvSpPr txBox="1"/>
+          <p:nvPr/>
+        </p:nvSpPr>
+        <p:spPr>
+          <a:xfrm>
+            <a:off x="7402286" y="1005721"/>
+            <a:ext cx="2148114" cy="369332"/>
+          </a:xfrm>
+          <a:prstGeom prst="rect">
+            <a:avLst/>
+          </a:prstGeom>
+          <a:noFill/>
+        </p:spPr>
+        <p:txBody>
+          <a:bodyPr wrap="square" rtlCol="0">
+            <a:spAutoFit/>
+          </a:bodyPr>
+          <a:lstStyle/>
+          <a:p>
+            <a:r>
+              <a:rPr lang="en-US" altLang="ko-KR" b="1" dirty="0"/>
+              <a:t>System Response</a:t>
+            </a:r>
+            <a:endParaRPr lang="ko-KR" altLang="en-US" b="1" dirty="0"/>
+          </a:p>
+        </p:txBody>
+      </p:sp>
+      <p:sp>
+        <p:nvSpPr>
+          <p:cNvPr id="7" name="TextBox 6">
+            <a:extLst>
+              <a:ext uri="{FF2B5EF4-FFF2-40B4-BE49-F238E27FC236}">
+                <a16:creationId xmlns:a16="http://schemas.microsoft.com/office/drawing/2014/main" id="{C887CD49-A558-4D1A-99EC-76BC98B5C621}"/>
+              </a:ext>
+            </a:extLst>
+          </p:cNvPr>
+          <p:cNvSpPr txBox="1"/>
+          <p:nvPr/>
+        </p:nvSpPr>
+        <p:spPr>
+          <a:xfrm>
+            <a:off x="580572" y="496830"/>
+            <a:ext cx="3700483" cy="400110"/>
+          </a:xfrm>
+          <a:prstGeom prst="rect">
+            <a:avLst/>
+          </a:prstGeom>
+          <a:noFill/>
+        </p:spPr>
+        <p:txBody>
+          <a:bodyPr wrap="square" rtlCol="0">
+            <a:spAutoFit/>
+          </a:bodyPr>
+          <a:lstStyle/>
+          <a:p>
+            <a:r>
+              <a:rPr lang="ko-KR" altLang="en-US" sz="2000" b="1" dirty="0"/>
               <a:t>판매 완료된 상품 내역 조회</a:t>
             </a:r>
-            <a:endParaRPr lang="ko-KR" altLang="en-US" sz="2000" b="1" dirty="0"/>
           </a:p>
         </p:txBody>
       </p:sp>
